--- a/pics/2022-01-03-signal_processing_introduction/pics.pptx
+++ b/pics/2022-01-03-signal_processing_introduction/pics.pptx
@@ -6,6 +6,7 @@
   </p:sldMasterIdLst>
   <p:sldIdLst>
     <p:sldId id="256" r:id="rId2"/>
+    <p:sldId id="257" r:id="rId3"/>
   </p:sldIdLst>
   <p:sldSz cx="9144000" cy="6858000" type="screen4x3"/>
   <p:notesSz cx="6858000" cy="9144000"/>
@@ -288,7 +289,7 @@
           <a:p>
             <a:fld id="{FB30EDBD-1C2D-4C1E-B459-B60219FAB484}" type="datetimeFigureOut">
               <a:rPr lang="ko-KR" altLang="en-US" smtClean="0"/>
-              <a:t>2022-01-04</a:t>
+              <a:t>2022-01-05</a:t>
             </a:fld>
             <a:endParaRPr lang="ko-KR" altLang="en-US"/>
           </a:p>
@@ -453,7 +454,7 @@
           <a:p>
             <a:fld id="{FB30EDBD-1C2D-4C1E-B459-B60219FAB484}" type="datetimeFigureOut">
               <a:rPr lang="ko-KR" altLang="en-US" smtClean="0"/>
-              <a:t>2022-01-04</a:t>
+              <a:t>2022-01-05</a:t>
             </a:fld>
             <a:endParaRPr lang="ko-KR" altLang="en-US"/>
           </a:p>
@@ -628,7 +629,7 @@
           <a:p>
             <a:fld id="{FB30EDBD-1C2D-4C1E-B459-B60219FAB484}" type="datetimeFigureOut">
               <a:rPr lang="ko-KR" altLang="en-US" smtClean="0"/>
-              <a:t>2022-01-04</a:t>
+              <a:t>2022-01-05</a:t>
             </a:fld>
             <a:endParaRPr lang="ko-KR" altLang="en-US"/>
           </a:p>
@@ -793,7 +794,7 @@
           <a:p>
             <a:fld id="{FB30EDBD-1C2D-4C1E-B459-B60219FAB484}" type="datetimeFigureOut">
               <a:rPr lang="ko-KR" altLang="en-US" smtClean="0"/>
-              <a:t>2022-01-04</a:t>
+              <a:t>2022-01-05</a:t>
             </a:fld>
             <a:endParaRPr lang="ko-KR" altLang="en-US"/>
           </a:p>
@@ -1034,7 +1035,7 @@
           <a:p>
             <a:fld id="{FB30EDBD-1C2D-4C1E-B459-B60219FAB484}" type="datetimeFigureOut">
               <a:rPr lang="ko-KR" altLang="en-US" smtClean="0"/>
-              <a:t>2022-01-04</a:t>
+              <a:t>2022-01-05</a:t>
             </a:fld>
             <a:endParaRPr lang="ko-KR" altLang="en-US"/>
           </a:p>
@@ -1317,7 +1318,7 @@
           <a:p>
             <a:fld id="{FB30EDBD-1C2D-4C1E-B459-B60219FAB484}" type="datetimeFigureOut">
               <a:rPr lang="ko-KR" altLang="en-US" smtClean="0"/>
-              <a:t>2022-01-04</a:t>
+              <a:t>2022-01-05</a:t>
             </a:fld>
             <a:endParaRPr lang="ko-KR" altLang="en-US"/>
           </a:p>
@@ -1734,7 +1735,7 @@
           <a:p>
             <a:fld id="{FB30EDBD-1C2D-4C1E-B459-B60219FAB484}" type="datetimeFigureOut">
               <a:rPr lang="ko-KR" altLang="en-US" smtClean="0"/>
-              <a:t>2022-01-04</a:t>
+              <a:t>2022-01-05</a:t>
             </a:fld>
             <a:endParaRPr lang="ko-KR" altLang="en-US"/>
           </a:p>
@@ -1847,7 +1848,7 @@
           <a:p>
             <a:fld id="{FB30EDBD-1C2D-4C1E-B459-B60219FAB484}" type="datetimeFigureOut">
               <a:rPr lang="ko-KR" altLang="en-US" smtClean="0"/>
-              <a:t>2022-01-04</a:t>
+              <a:t>2022-01-05</a:t>
             </a:fld>
             <a:endParaRPr lang="ko-KR" altLang="en-US"/>
           </a:p>
@@ -1937,7 +1938,7 @@
           <a:p>
             <a:fld id="{FB30EDBD-1C2D-4C1E-B459-B60219FAB484}" type="datetimeFigureOut">
               <a:rPr lang="ko-KR" altLang="en-US" smtClean="0"/>
-              <a:t>2022-01-04</a:t>
+              <a:t>2022-01-05</a:t>
             </a:fld>
             <a:endParaRPr lang="ko-KR" altLang="en-US"/>
           </a:p>
@@ -2209,7 +2210,7 @@
           <a:p>
             <a:fld id="{FB30EDBD-1C2D-4C1E-B459-B60219FAB484}" type="datetimeFigureOut">
               <a:rPr lang="ko-KR" altLang="en-US" smtClean="0"/>
-              <a:t>2022-01-04</a:t>
+              <a:t>2022-01-05</a:t>
             </a:fld>
             <a:endParaRPr lang="ko-KR" altLang="en-US"/>
           </a:p>
@@ -2457,7 +2458,7 @@
           <a:p>
             <a:fld id="{FB30EDBD-1C2D-4C1E-B459-B60219FAB484}" type="datetimeFigureOut">
               <a:rPr lang="ko-KR" altLang="en-US" smtClean="0"/>
-              <a:t>2022-01-04</a:t>
+              <a:t>2022-01-05</a:t>
             </a:fld>
             <a:endParaRPr lang="ko-KR" altLang="en-US"/>
           </a:p>
@@ -2665,7 +2666,7 @@
           <a:p>
             <a:fld id="{FB30EDBD-1C2D-4C1E-B459-B60219FAB484}" type="datetimeFigureOut">
               <a:rPr lang="ko-KR" altLang="en-US" smtClean="0"/>
-              <a:t>2022-01-04</a:t>
+              <a:t>2022-01-05</a:t>
             </a:fld>
             <a:endParaRPr lang="ko-KR" altLang="en-US"/>
           </a:p>
@@ -3099,8 +3100,8 @@
           </a:extLst>
         </p:spPr>
       </p:pic>
-      <mc:AlternateContent xmlns:mc="http://schemas.openxmlformats.org/markup-compatibility/2006">
-        <mc:Choice xmlns:a14="http://schemas.microsoft.com/office/drawing/2010/main" Requires="a14">
+      <mc:AlternateContent xmlns:mc="http://schemas.openxmlformats.org/markup-compatibility/2006" xmlns:a14="http://schemas.microsoft.com/office/drawing/2010/main">
+        <mc:Choice Requires="a14">
           <p:sp>
             <p:nvSpPr>
               <p:cNvPr id="2" name="TextBox 1"/>
@@ -3202,7 +3203,7 @@
             </p:txBody>
           </p:sp>
         </mc:Choice>
-        <mc:Fallback>
+        <mc:Fallback xmlns="">
           <p:sp>
             <p:nvSpPr>
               <p:cNvPr id="2" name="TextBox 1"/>
@@ -3282,8 +3283,8 @@
           </a:fontRef>
         </p:style>
       </p:cxnSp>
-      <mc:AlternateContent xmlns:mc="http://schemas.openxmlformats.org/markup-compatibility/2006">
-        <mc:Choice xmlns:a14="http://schemas.microsoft.com/office/drawing/2010/main" Requires="a14">
+      <mc:AlternateContent xmlns:mc="http://schemas.openxmlformats.org/markup-compatibility/2006" xmlns:a14="http://schemas.microsoft.com/office/drawing/2010/main">
+        <mc:Choice Requires="a14">
           <p:sp>
             <p:nvSpPr>
               <p:cNvPr id="9" name="TextBox 8"/>
@@ -3355,7 +3356,7 @@
             </p:txBody>
           </p:sp>
         </mc:Choice>
-        <mc:Fallback>
+        <mc:Fallback xmlns="">
           <p:sp>
             <p:nvSpPr>
               <p:cNvPr id="9" name="TextBox 8"/>
@@ -3547,6 +3548,508 @@
     <p:extLst>
       <p:ext uri="{BB962C8B-B14F-4D97-AF65-F5344CB8AC3E}">
         <p14:creationId xmlns:p14="http://schemas.microsoft.com/office/powerpoint/2010/main" val="2434233650"/>
+      </p:ext>
+    </p:extLst>
+  </p:cSld>
+  <p:clrMapOvr>
+    <a:masterClrMapping/>
+  </p:clrMapOvr>
+</p:sld>
+</file>
+
+<file path=ppt/slides/slide2.xml><?xml version="1.0" encoding="utf-8"?>
+<p:sld xmlns:a="http://schemas.openxmlformats.org/drawingml/2006/main" xmlns:r="http://schemas.openxmlformats.org/officeDocument/2006/relationships" xmlns:p="http://schemas.openxmlformats.org/presentationml/2006/main">
+  <p:cSld>
+    <p:spTree>
+      <p:nvGrpSpPr>
+        <p:cNvPr id="1" name=""/>
+        <p:cNvGrpSpPr/>
+        <p:nvPr/>
+      </p:nvGrpSpPr>
+      <p:grpSpPr>
+        <a:xfrm>
+          <a:off x="0" y="0"/>
+          <a:ext cx="0" cy="0"/>
+          <a:chOff x="0" y="0"/>
+          <a:chExt cx="0" cy="0"/>
+        </a:xfrm>
+      </p:grpSpPr>
+      <p:sp>
+        <p:nvSpPr>
+          <p:cNvPr id="4" name="직사각형 3"/>
+          <p:cNvSpPr/>
+          <p:nvPr/>
+        </p:nvSpPr>
+        <p:spPr>
+          <a:xfrm>
+            <a:off x="3387482" y="2179737"/>
+            <a:ext cx="914400" cy="914400"/>
+          </a:xfrm>
+          <a:prstGeom prst="rect">
+            <a:avLst/>
+          </a:prstGeom>
+          <a:solidFill>
+            <a:schemeClr val="bg1"/>
+          </a:solidFill>
+          <a:ln>
+            <a:solidFill>
+              <a:schemeClr val="tx1"/>
+            </a:solidFill>
+          </a:ln>
+        </p:spPr>
+        <p:style>
+          <a:lnRef idx="2">
+            <a:schemeClr val="accent1">
+              <a:shade val="50000"/>
+            </a:schemeClr>
+          </a:lnRef>
+          <a:fillRef idx="1">
+            <a:schemeClr val="accent1"/>
+          </a:fillRef>
+          <a:effectRef idx="0">
+            <a:schemeClr val="accent1"/>
+          </a:effectRef>
+          <a:fontRef idx="minor">
+            <a:schemeClr val="lt1"/>
+          </a:fontRef>
+        </p:style>
+        <p:txBody>
+          <a:bodyPr rtlCol="0" anchor="ctr"/>
+          <a:lstStyle/>
+          <a:p>
+            <a:pPr algn="ctr"/>
+            <a:endParaRPr lang="ko-KR" altLang="en-US" dirty="0">
+              <a:solidFill>
+                <a:sysClr val="windowText" lastClr="000000"/>
+              </a:solidFill>
+            </a:endParaRPr>
+          </a:p>
+        </p:txBody>
+      </p:sp>
+      <mc:AlternateContent xmlns:mc="http://schemas.openxmlformats.org/markup-compatibility/2006">
+        <mc:Choice xmlns:a14="http://schemas.microsoft.com/office/drawing/2010/main" Requires="a14">
+          <p:sp>
+            <p:nvSpPr>
+              <p:cNvPr id="5" name="TextBox 4"/>
+              <p:cNvSpPr txBox="1"/>
+              <p:nvPr/>
+            </p:nvSpPr>
+            <p:spPr>
+              <a:xfrm>
+                <a:off x="2153082" y="2452271"/>
+                <a:ext cx="694164" cy="369332"/>
+              </a:xfrm>
+              <a:prstGeom prst="rect">
+                <a:avLst/>
+              </a:prstGeom>
+              <a:noFill/>
+            </p:spPr>
+            <p:txBody>
+              <a:bodyPr wrap="none" rtlCol="0">
+                <a:spAutoFit/>
+              </a:bodyPr>
+              <a:lstStyle/>
+              <a:p>
+                <a14:m>
+                  <m:oMathPara xmlns:m="http://schemas.openxmlformats.org/officeDocument/2006/math">
+                    <m:oMathParaPr>
+                      <m:jc m:val="centerGroup"/>
+                    </m:oMathParaPr>
+                    <m:oMath xmlns:m="http://schemas.openxmlformats.org/officeDocument/2006/math">
+                      <m:r>
+                        <a:rPr lang="en-US" altLang="ko-KR" b="0" i="1" smtClean="0">
+                          <a:latin typeface="Cambria Math"/>
+                        </a:rPr>
+                        <m:t>𝑥</m:t>
+                      </m:r>
+                      <m:r>
+                        <a:rPr lang="en-US" altLang="ko-KR" b="0" i="1" smtClean="0">
+                          <a:latin typeface="Cambria Math"/>
+                        </a:rPr>
+                        <m:t>[</m:t>
+                      </m:r>
+                      <m:r>
+                        <a:rPr lang="en-US" altLang="ko-KR" b="0" i="1" smtClean="0">
+                          <a:latin typeface="Cambria Math"/>
+                        </a:rPr>
+                        <m:t>𝑛</m:t>
+                      </m:r>
+                      <m:r>
+                        <a:rPr lang="en-US" altLang="ko-KR" b="0" i="1" smtClean="0">
+                          <a:latin typeface="Cambria Math"/>
+                        </a:rPr>
+                        <m:t>]</m:t>
+                      </m:r>
+                    </m:oMath>
+                  </m:oMathPara>
+                </a14:m>
+                <a:endParaRPr lang="ko-KR" altLang="en-US" dirty="0"/>
+              </a:p>
+            </p:txBody>
+          </p:sp>
+        </mc:Choice>
+        <mc:Fallback>
+          <p:sp>
+            <p:nvSpPr>
+              <p:cNvPr id="5" name="TextBox 4"/>
+              <p:cNvSpPr txBox="1">
+                <a:spLocks noRot="1" noChangeAspect="1" noMove="1" noResize="1" noEditPoints="1" noAdjustHandles="1" noChangeArrowheads="1" noChangeShapeType="1" noTextEdit="1"/>
+              </p:cNvSpPr>
+              <p:nvPr/>
+            </p:nvSpPr>
+            <p:spPr>
+              <a:xfrm>
+                <a:off x="2153082" y="2452271"/>
+                <a:ext cx="694164" cy="369332"/>
+              </a:xfrm>
+              <a:prstGeom prst="rect">
+                <a:avLst/>
+              </a:prstGeom>
+              <a:blipFill rotWithShape="1">
+                <a:blip r:embed="rId2"/>
+                <a:stretch>
+                  <a:fillRect b="-18033"/>
+                </a:stretch>
+              </a:blipFill>
+            </p:spPr>
+            <p:txBody>
+              <a:bodyPr/>
+              <a:lstStyle/>
+              <a:p>
+                <a:r>
+                  <a:rPr lang="ko-KR" altLang="en-US">
+                    <a:noFill/>
+                  </a:rPr>
+                  <a:t> </a:t>
+                </a:r>
+              </a:p>
+            </p:txBody>
+          </p:sp>
+        </mc:Fallback>
+      </mc:AlternateContent>
+      <p:cxnSp>
+        <p:nvCxnSpPr>
+          <p:cNvPr id="7" name="직선 화살표 연결선 6"/>
+          <p:cNvCxnSpPr>
+            <a:stCxn id="5" idx="3"/>
+            <a:endCxn id="4" idx="1"/>
+          </p:cNvCxnSpPr>
+          <p:nvPr/>
+        </p:nvCxnSpPr>
+        <p:spPr>
+          <a:xfrm>
+            <a:off x="2847246" y="2636937"/>
+            <a:ext cx="540236" cy="0"/>
+          </a:xfrm>
+          <a:prstGeom prst="straightConnector1">
+            <a:avLst/>
+          </a:prstGeom>
+          <a:ln w="28575">
+            <a:tailEnd type="arrow"/>
+          </a:ln>
+        </p:spPr>
+        <p:style>
+          <a:lnRef idx="1">
+            <a:schemeClr val="dk1"/>
+          </a:lnRef>
+          <a:fillRef idx="0">
+            <a:schemeClr val="dk1"/>
+          </a:fillRef>
+          <a:effectRef idx="0">
+            <a:schemeClr val="dk1"/>
+          </a:effectRef>
+          <a:fontRef idx="minor">
+            <a:schemeClr val="tx1"/>
+          </a:fontRef>
+        </p:style>
+      </p:cxnSp>
+      <mc:AlternateContent xmlns:mc="http://schemas.openxmlformats.org/markup-compatibility/2006">
+        <mc:Choice xmlns:a14="http://schemas.microsoft.com/office/drawing/2010/main" Requires="a14">
+          <p:sp>
+            <p:nvSpPr>
+              <p:cNvPr id="9" name="TextBox 8"/>
+              <p:cNvSpPr txBox="1"/>
+              <p:nvPr/>
+            </p:nvSpPr>
+            <p:spPr>
+              <a:xfrm>
+                <a:off x="4869537" y="2452271"/>
+                <a:ext cx="1751697" cy="369332"/>
+              </a:xfrm>
+              <a:prstGeom prst="rect">
+                <a:avLst/>
+              </a:prstGeom>
+              <a:noFill/>
+            </p:spPr>
+            <p:txBody>
+              <a:bodyPr wrap="none" rtlCol="0">
+                <a:spAutoFit/>
+              </a:bodyPr>
+              <a:lstStyle/>
+              <a:p>
+                <a14:m>
+                  <m:oMathPara xmlns:m="http://schemas.openxmlformats.org/officeDocument/2006/math">
+                    <m:oMathParaPr>
+                      <m:jc m:val="centerGroup"/>
+                    </m:oMathParaPr>
+                    <m:oMath xmlns:m="http://schemas.openxmlformats.org/officeDocument/2006/math">
+                      <m:r>
+                        <a:rPr lang="en-US" altLang="ko-KR" b="0" i="1" smtClean="0">
+                          <a:latin typeface="Cambria Math"/>
+                        </a:rPr>
+                        <m:t>𝑦</m:t>
+                      </m:r>
+                      <m:d>
+                        <m:dPr>
+                          <m:begChr m:val="["/>
+                          <m:endChr m:val="]"/>
+                          <m:ctrlPr>
+                            <a:rPr lang="en-US" altLang="ko-KR" b="0" i="1" smtClean="0">
+                              <a:latin typeface="Cambria Math"/>
+                            </a:rPr>
+                          </m:ctrlPr>
+                        </m:dPr>
+                        <m:e>
+                          <m:r>
+                            <a:rPr lang="en-US" altLang="ko-KR" b="0" i="1" smtClean="0">
+                              <a:latin typeface="Cambria Math"/>
+                            </a:rPr>
+                            <m:t>𝑛</m:t>
+                          </m:r>
+                        </m:e>
+                      </m:d>
+                      <m:r>
+                        <a:rPr lang="en-US" altLang="ko-KR" b="0" i="1" smtClean="0">
+                          <a:latin typeface="Cambria Math"/>
+                        </a:rPr>
+                        <m:t>=</m:t>
+                      </m:r>
+                      <m:r>
+                        <a:rPr lang="en-US" altLang="ko-KR" b="0" i="1" smtClean="0">
+                          <a:latin typeface="Cambria Math"/>
+                        </a:rPr>
+                        <m:t>𝑇</m:t>
+                      </m:r>
+                      <m:r>
+                        <a:rPr lang="en-US" altLang="ko-KR" b="0" i="1" smtClean="0">
+                          <a:latin typeface="Cambria Math"/>
+                        </a:rPr>
+                        <m:t>{</m:t>
+                      </m:r>
+                      <m:r>
+                        <a:rPr lang="en-US" altLang="ko-KR" b="0" i="1" smtClean="0">
+                          <a:latin typeface="Cambria Math"/>
+                        </a:rPr>
+                        <m:t>𝑥</m:t>
+                      </m:r>
+                      <m:d>
+                        <m:dPr>
+                          <m:begChr m:val="["/>
+                          <m:endChr m:val="]"/>
+                          <m:ctrlPr>
+                            <a:rPr lang="en-US" altLang="ko-KR" b="0" i="1" smtClean="0">
+                              <a:latin typeface="Cambria Math"/>
+                            </a:rPr>
+                          </m:ctrlPr>
+                        </m:dPr>
+                        <m:e>
+                          <m:r>
+                            <a:rPr lang="en-US" altLang="ko-KR" b="0" i="1" smtClean="0">
+                              <a:latin typeface="Cambria Math"/>
+                            </a:rPr>
+                            <m:t>𝑛</m:t>
+                          </m:r>
+                        </m:e>
+                      </m:d>
+                      <m:r>
+                        <a:rPr lang="en-US" altLang="ko-KR" b="0" i="1" smtClean="0">
+                          <a:latin typeface="Cambria Math"/>
+                        </a:rPr>
+                        <m:t>}</m:t>
+                      </m:r>
+                    </m:oMath>
+                  </m:oMathPara>
+                </a14:m>
+                <a:endParaRPr lang="ko-KR" altLang="en-US" i="1" dirty="0"/>
+              </a:p>
+            </p:txBody>
+          </p:sp>
+        </mc:Choice>
+        <mc:Fallback>
+          <p:sp>
+            <p:nvSpPr>
+              <p:cNvPr id="9" name="TextBox 8"/>
+              <p:cNvSpPr txBox="1">
+                <a:spLocks noRot="1" noChangeAspect="1" noMove="1" noResize="1" noEditPoints="1" noAdjustHandles="1" noChangeArrowheads="1" noChangeShapeType="1" noTextEdit="1"/>
+              </p:cNvSpPr>
+              <p:nvPr/>
+            </p:nvSpPr>
+            <p:spPr>
+              <a:xfrm>
+                <a:off x="4869537" y="2452271"/>
+                <a:ext cx="1751697" cy="369332"/>
+              </a:xfrm>
+              <a:prstGeom prst="rect">
+                <a:avLst/>
+              </a:prstGeom>
+              <a:blipFill rotWithShape="1">
+                <a:blip r:embed="rId3"/>
+                <a:stretch>
+                  <a:fillRect b="-18033"/>
+                </a:stretch>
+              </a:blipFill>
+            </p:spPr>
+            <p:txBody>
+              <a:bodyPr/>
+              <a:lstStyle/>
+              <a:p>
+                <a:r>
+                  <a:rPr lang="ko-KR" altLang="en-US">
+                    <a:noFill/>
+                  </a:rPr>
+                  <a:t> </a:t>
+                </a:r>
+              </a:p>
+            </p:txBody>
+          </p:sp>
+        </mc:Fallback>
+      </mc:AlternateContent>
+      <p:cxnSp>
+        <p:nvCxnSpPr>
+          <p:cNvPr id="10" name="직선 화살표 연결선 9"/>
+          <p:cNvCxnSpPr/>
+          <p:nvPr/>
+        </p:nvCxnSpPr>
+        <p:spPr>
+          <a:xfrm>
+            <a:off x="4312558" y="2636937"/>
+            <a:ext cx="540236" cy="0"/>
+          </a:xfrm>
+          <a:prstGeom prst="straightConnector1">
+            <a:avLst/>
+          </a:prstGeom>
+          <a:ln w="28575">
+            <a:tailEnd type="arrow"/>
+          </a:ln>
+        </p:spPr>
+        <p:style>
+          <a:lnRef idx="1">
+            <a:schemeClr val="dk1"/>
+          </a:lnRef>
+          <a:fillRef idx="0">
+            <a:schemeClr val="dk1"/>
+          </a:fillRef>
+          <a:effectRef idx="0">
+            <a:schemeClr val="dk1"/>
+          </a:effectRef>
+          <a:fontRef idx="minor">
+            <a:schemeClr val="tx1"/>
+          </a:fontRef>
+        </p:style>
+      </p:cxnSp>
+      <mc:AlternateContent xmlns:mc="http://schemas.openxmlformats.org/markup-compatibility/2006">
+        <mc:Choice xmlns:a14="http://schemas.microsoft.com/office/drawing/2010/main" Requires="a14">
+          <p:sp>
+            <p:nvSpPr>
+              <p:cNvPr id="11" name="직사각형 10"/>
+              <p:cNvSpPr/>
+              <p:nvPr/>
+            </p:nvSpPr>
+            <p:spPr>
+              <a:xfrm>
+                <a:off x="3574531" y="2465487"/>
+                <a:ext cx="654602" cy="369332"/>
+              </a:xfrm>
+              <a:prstGeom prst="rect">
+                <a:avLst/>
+              </a:prstGeom>
+            </p:spPr>
+            <p:txBody>
+              <a:bodyPr wrap="none">
+                <a:spAutoFit/>
+              </a:bodyPr>
+              <a:lstStyle/>
+              <a:p>
+                <a:pPr algn="ctr"/>
+                <a14:m>
+                  <m:oMathPara xmlns:m="http://schemas.openxmlformats.org/officeDocument/2006/math">
+                    <m:oMathParaPr>
+                      <m:jc m:val="center"/>
+                    </m:oMathParaPr>
+                    <m:oMath xmlns:m="http://schemas.openxmlformats.org/officeDocument/2006/math">
+                      <m:r>
+                        <a:rPr lang="en-US" altLang="ko-KR" i="1">
+                          <a:solidFill>
+                            <a:sysClr val="windowText" lastClr="000000"/>
+                          </a:solidFill>
+                          <a:latin typeface="Cambria Math"/>
+                        </a:rPr>
+                        <m:t>𝑇</m:t>
+                      </m:r>
+                      <m:r>
+                        <a:rPr lang="en-US" altLang="ko-KR" i="1">
+                          <a:solidFill>
+                            <a:sysClr val="windowText" lastClr="000000"/>
+                          </a:solidFill>
+                          <a:latin typeface="Cambria Math"/>
+                        </a:rPr>
+                        <m:t>{⋅}</m:t>
+                      </m:r>
+                    </m:oMath>
+                  </m:oMathPara>
+                </a14:m>
+                <a:endParaRPr lang="ko-KR" altLang="en-US" dirty="0">
+                  <a:solidFill>
+                    <a:sysClr val="windowText" lastClr="000000"/>
+                  </a:solidFill>
+                </a:endParaRPr>
+              </a:p>
+            </p:txBody>
+          </p:sp>
+        </mc:Choice>
+        <mc:Fallback>
+          <p:sp>
+            <p:nvSpPr>
+              <p:cNvPr id="11" name="직사각형 10"/>
+              <p:cNvSpPr>
+                <a:spLocks noRot="1" noChangeAspect="1" noMove="1" noResize="1" noEditPoints="1" noAdjustHandles="1" noChangeArrowheads="1" noChangeShapeType="1" noTextEdit="1"/>
+              </p:cNvSpPr>
+              <p:nvPr/>
+            </p:nvSpPr>
+            <p:spPr>
+              <a:xfrm>
+                <a:off x="3574531" y="2465487"/>
+                <a:ext cx="654602" cy="369332"/>
+              </a:xfrm>
+              <a:prstGeom prst="rect">
+                <a:avLst/>
+              </a:prstGeom>
+              <a:blipFill rotWithShape="1">
+                <a:blip r:embed="rId4"/>
+                <a:stretch>
+                  <a:fillRect b="-18033"/>
+                </a:stretch>
+              </a:blipFill>
+            </p:spPr>
+            <p:txBody>
+              <a:bodyPr/>
+              <a:lstStyle/>
+              <a:p>
+                <a:r>
+                  <a:rPr lang="ko-KR" altLang="en-US">
+                    <a:noFill/>
+                  </a:rPr>
+                  <a:t> </a:t>
+                </a:r>
+              </a:p>
+            </p:txBody>
+          </p:sp>
+        </mc:Fallback>
+      </mc:AlternateContent>
+    </p:spTree>
+    <p:extLst>
+      <p:ext uri="{BB962C8B-B14F-4D97-AF65-F5344CB8AC3E}">
+        <p14:creationId xmlns:p14="http://schemas.microsoft.com/office/powerpoint/2010/main" val="3772942143"/>
       </p:ext>
     </p:extLst>
   </p:cSld>
